--- a/cafe-nakajibrothers/IT活用法、カフェ.pptx
+++ b/cafe-nakajibrothers/IT活用法、カフェ.pptx
@@ -9,6 +9,7 @@
     <p:sldId id="257" r:id="rId3"/>
     <p:sldId id="258" r:id="rId4"/>
     <p:sldId id="259" r:id="rId5"/>
+    <p:sldId id="260" r:id="rId6"/>
   </p:sldIdLst>
   <p:sldSz cx="12192000" cy="6858000"/>
   <p:notesSz cx="6858000" cy="9144000"/>
@@ -107,6 +108,11 @@
       </a:defRPr>
     </a:lvl9pPr>
   </p:defaultTextStyle>
+  <p:extLst>
+    <p:ext uri="{EFAFB233-063F-42B5-8137-9DF3F51BA10A}">
+      <p15:sldGuideLst xmlns:p15="http://schemas.microsoft.com/office/powerpoint/2012/main"/>
+    </p:ext>
+  </p:extLst>
 </p:presentation>
 </file>
 
@@ -8050,8 +8056,16 @@
           <a:lstStyle/>
           <a:p>
             <a:r>
-              <a:rPr kumimoji="1" lang="ja-JP" altLang="en-US" dirty="0" smtClean="0"/>
-              <a:t>カフェの名前</a:t>
+              <a:rPr lang="ja-JP" altLang="en-US" dirty="0" smtClean="0"/>
+              <a:t>ナカジ</a:t>
+            </a:r>
+            <a:r>
+              <a:rPr lang="ja-JP" altLang="en-US" smtClean="0"/>
+              <a:t>‘ｓ </a:t>
+            </a:r>
+            <a:r>
+              <a:rPr lang="en-US" altLang="ja-JP" dirty="0" smtClean="0"/>
+              <a:t>Cafe</a:t>
             </a:r>
             <a:endParaRPr kumimoji="1" lang="ja-JP" altLang="en-US" dirty="0"/>
           </a:p>
@@ -8359,39 +8373,208 @@
       </p:sp>
       <p:sp>
         <p:nvSpPr>
-          <p:cNvPr id="3" name="図プレースホルダー 2"/>
-          <p:cNvSpPr>
-            <a:spLocks noGrp="1"/>
-          </p:cNvSpPr>
+          <p:cNvPr id="4" name="テキスト プレースホルダー 3"/>
+          <p:cNvSpPr>
+            <a:spLocks noGrp="1"/>
+          </p:cNvSpPr>
+          <p:nvPr>
+            <p:ph type="body" sz="half" idx="2"/>
+          </p:nvPr>
+        </p:nvSpPr>
+        <p:spPr/>
+        <p:txBody>
+          <a:bodyPr>
+            <a:normAutofit/>
+          </a:bodyPr>
+          <a:lstStyle/>
+          <a:p>
+            <a:r>
+              <a:rPr lang="ja-JP" altLang="en-US" sz="2800" dirty="0"/>
+              <a:t>タンブラーにすることで持ち帰り専用にして、店舗自体も大きくせずに済み、従業員を減らすことで経費削減が出来る。</a:t>
+            </a:r>
+            <a:endParaRPr lang="ja-JP" altLang="en-US" sz="2800" dirty="0"/>
+          </a:p>
+        </p:txBody>
+      </p:sp>
+      <p:pic>
+        <p:nvPicPr>
+          <p:cNvPr id="8" name="図プレースホルダー 7"/>
+          <p:cNvPicPr>
+            <a:picLocks noGrp="1" noChangeAspect="1"/>
+          </p:cNvPicPr>
           <p:nvPr>
             <p:ph type="pic" idx="1"/>
           </p:nvPr>
-        </p:nvSpPr>
-        <p:spPr/>
-      </p:sp>
-      <p:sp>
-        <p:nvSpPr>
-          <p:cNvPr id="4" name="テキスト プレースホルダー 3"/>
-          <p:cNvSpPr>
-            <a:spLocks noGrp="1"/>
-          </p:cNvSpPr>
-          <p:nvPr>
-            <p:ph type="body" sz="half" idx="2"/>
-          </p:nvPr>
-        </p:nvSpPr>
-        <p:spPr/>
-        <p:txBody>
-          <a:bodyPr/>
-          <a:lstStyle/>
-          <a:p>
-            <a:endParaRPr kumimoji="1" lang="ja-JP" altLang="en-US"/>
-          </a:p>
-        </p:txBody>
-      </p:sp>
+        </p:nvPicPr>
+        <p:blipFill>
+          <a:blip r:embed="rId2">
+            <a:extLst>
+              <a:ext uri="{28A0092B-C50C-407E-A947-70E740481C1C}">
+                <a14:useLocalDpi xmlns:a14="http://schemas.microsoft.com/office/drawing/2010/main" val="0"/>
+              </a:ext>
+            </a:extLst>
+          </a:blip>
+          <a:srcRect t="1577" b="1577"/>
+          <a:stretch>
+            <a:fillRect/>
+          </a:stretch>
+        </p:blipFill>
+        <p:spPr>
+          <a:xfrm>
+            <a:off x="4868863" y="2336800"/>
+            <a:ext cx="5426075" cy="3598863"/>
+          </a:xfrm>
+        </p:spPr>
+      </p:pic>
     </p:spTree>
     <p:extLst>
       <p:ext uri="{BB962C8B-B14F-4D97-AF65-F5344CB8AC3E}">
         <p14:creationId xmlns:p14="http://schemas.microsoft.com/office/powerpoint/2010/main" val="2546958576"/>
+      </p:ext>
+    </p:extLst>
+  </p:cSld>
+  <p:clrMapOvr>
+    <a:masterClrMapping/>
+  </p:clrMapOvr>
+</p:sld>
+</file>
+
+<file path=ppt/slides/slide5.xml><?xml version="1.0" encoding="utf-8"?>
+<p:sld xmlns:a="http://schemas.openxmlformats.org/drawingml/2006/main" xmlns:r="http://schemas.openxmlformats.org/officeDocument/2006/relationships" xmlns:p="http://schemas.openxmlformats.org/presentationml/2006/main">
+  <p:cSld>
+    <p:spTree>
+      <p:nvGrpSpPr>
+        <p:cNvPr id="1" name=""/>
+        <p:cNvGrpSpPr/>
+        <p:nvPr/>
+      </p:nvGrpSpPr>
+      <p:grpSpPr>
+        <a:xfrm>
+          <a:off x="0" y="0"/>
+          <a:ext cx="0" cy="0"/>
+          <a:chOff x="0" y="0"/>
+          <a:chExt cx="0" cy="0"/>
+        </a:xfrm>
+      </p:grpSpPr>
+      <p:sp>
+        <p:nvSpPr>
+          <p:cNvPr id="2" name="タイトル 1"/>
+          <p:cNvSpPr>
+            <a:spLocks noGrp="1"/>
+          </p:cNvSpPr>
+          <p:nvPr>
+            <p:ph type="title"/>
+          </p:nvPr>
+        </p:nvSpPr>
+        <p:spPr/>
+        <p:txBody>
+          <a:bodyPr>
+            <a:normAutofit/>
+          </a:bodyPr>
+          <a:lstStyle/>
+          <a:p>
+            <a:r>
+              <a:rPr lang="ja-JP" altLang="en-US" sz="5400" dirty="0" smtClean="0"/>
+              <a:t>オリジナ</a:t>
+            </a:r>
+            <a:r>
+              <a:rPr kumimoji="1" lang="ja-JP" altLang="en-US" sz="5400" dirty="0" smtClean="0"/>
+              <a:t>ル！！！</a:t>
+            </a:r>
+            <a:endParaRPr kumimoji="1" lang="ja-JP" altLang="en-US" sz="5400" dirty="0"/>
+          </a:p>
+        </p:txBody>
+      </p:sp>
+      <p:sp>
+        <p:nvSpPr>
+          <p:cNvPr id="3" name="図プレースホルダー 2"/>
+          <p:cNvSpPr>
+            <a:spLocks noGrp="1"/>
+          </p:cNvSpPr>
+          <p:nvPr>
+            <p:ph type="pic" idx="1"/>
+          </p:nvPr>
+        </p:nvSpPr>
+        <p:spPr/>
+      </p:sp>
+      <p:sp>
+        <p:nvSpPr>
+          <p:cNvPr id="4" name="テキスト プレースホルダー 3"/>
+          <p:cNvSpPr>
+            <a:spLocks noGrp="1"/>
+          </p:cNvSpPr>
+          <p:nvPr>
+            <p:ph type="body" sz="half" idx="2"/>
+          </p:nvPr>
+        </p:nvSpPr>
+        <p:spPr/>
+        <p:txBody>
+          <a:bodyPr/>
+          <a:lstStyle/>
+          <a:p>
+            <a:r>
+              <a:rPr lang="ja-JP" altLang="en-US" sz="2800" dirty="0"/>
+              <a:t>柄</a:t>
+            </a:r>
+            <a:r>
+              <a:rPr lang="ja-JP" altLang="en-US" sz="2800" dirty="0" smtClean="0"/>
+              <a:t>のないタンブラーを販売し、</a:t>
+            </a:r>
+            <a:r>
+              <a:rPr kumimoji="1" lang="ja-JP" altLang="en-US" sz="2800" dirty="0" smtClean="0"/>
+              <a:t>自分でタンブラーのデザインを考えてもらい、オリジナルのタンブラーを作ってもらう。</a:t>
+            </a:r>
+            <a:endParaRPr kumimoji="1" lang="ja-JP" altLang="en-US" sz="2800" dirty="0"/>
+          </a:p>
+        </p:txBody>
+      </p:sp>
+      <p:pic>
+        <p:nvPicPr>
+          <p:cNvPr id="2050" name="Picture 2" descr="http://www.aquarium.gr.jp/image/tumblr/tumblr.jpg">
+            <a:hlinkClick r:id="rId2"/>
+          </p:cNvPr>
+          <p:cNvPicPr>
+            <a:picLocks noChangeAspect="1" noChangeArrowheads="1"/>
+          </p:cNvPicPr>
+          <p:nvPr/>
+        </p:nvPicPr>
+        <p:blipFill>
+          <a:blip r:embed="rId3">
+            <a:extLst>
+              <a:ext uri="{28A0092B-C50C-407E-A947-70E740481C1C}">
+                <a14:useLocalDpi xmlns:a14="http://schemas.microsoft.com/office/drawing/2010/main" val="0"/>
+              </a:ext>
+            </a:extLst>
+          </a:blip>
+          <a:srcRect/>
+          <a:stretch>
+            <a:fillRect/>
+          </a:stretch>
+        </p:blipFill>
+        <p:spPr bwMode="auto">
+          <a:xfrm>
+            <a:off x="4868333" y="2336873"/>
+            <a:ext cx="5425847" cy="3599313"/>
+          </a:xfrm>
+          <a:prstGeom prst="rect">
+            <a:avLst/>
+          </a:prstGeom>
+          <a:noFill/>
+          <a:extLst>
+            <a:ext uri="{909E8E84-426E-40DD-AFC4-6F175D3DCCD1}">
+              <a14:hiddenFill xmlns:a14="http://schemas.microsoft.com/office/drawing/2010/main">
+                <a:solidFill>
+                  <a:srgbClr val="FFFFFF"/>
+                </a:solidFill>
+              </a14:hiddenFill>
+            </a:ext>
+          </a:extLst>
+        </p:spPr>
+      </p:pic>
+    </p:spTree>
+    <p:extLst>
+      <p:ext uri="{BB962C8B-B14F-4D97-AF65-F5344CB8AC3E}">
+        <p14:creationId xmlns:p14="http://schemas.microsoft.com/office/powerpoint/2010/main" val="2347016693"/>
       </p:ext>
     </p:extLst>
   </p:cSld>
